--- a/presentations/2025-04-DaVinci/2025-04 SDC for DTR.pptx
+++ b/presentations/2025-04-DaVinci/2025-04 SDC for DTR.pptx
@@ -31503,7 +31503,15 @@
             <a:pPr lvl="1"/>
             <a:r>
               <a:rPr lang="en-US" dirty="0"/>
-              <a:t>Technical lead for HRex IG</a:t>
+              <a:t>Technical lead </a:t>
+            </a:r>
+            <a:r>
+              <a:rPr lang="en-US"/>
+              <a:t>for SDC </a:t>
+            </a:r>
+            <a:r>
+              <a:rPr lang="en-US" dirty="0"/>
+              <a:t>IG</a:t>
             </a:r>
           </a:p>
           <a:p>
@@ -40811,64 +40819,6 @@
 </file>
 
 <file path=customXml/item1.xml><?xml version="1.0" encoding="utf-8"?>
-<p:properties xmlns:p="http://schemas.microsoft.com/office/2006/metadata/properties" xmlns:xsi="http://www.w3.org/2001/XMLSchema-instance" xmlns:pc="http://schemas.microsoft.com/office/infopath/2007/PartnerControls">
-  <documentManagement>
-    <SharedWithUsers xmlns="cf5a87e6-8225-499d-8aa7-664ff23f0528">
-      <UserInfo>
-        <DisplayName>Kathy Moncelsi</DisplayName>
-        <AccountId>117</AccountId>
-        <AccountType/>
-      </UserInfo>
-      <UserInfo>
-        <DisplayName>Vanessa Candelora</DisplayName>
-        <AccountId>7525</AccountId>
-        <AccountType/>
-      </UserInfo>
-      <UserInfo>
-        <DisplayName>Phung Matthews</DisplayName>
-        <AccountId>7256</AccountId>
-        <AccountType/>
-      </UserInfo>
-      <UserInfo>
-        <DisplayName>Jordyn King</DisplayName>
-        <AccountId>6166</AccountId>
-        <AccountType/>
-      </UserInfo>
-      <UserInfo>
-        <DisplayName>Pooja Babbrah</DisplayName>
-        <AccountId>63</AccountId>
-        <AccountType/>
-      </UserInfo>
-      <UserInfo>
-        <DisplayName>Frank McKinney</DisplayName>
-        <AccountId>6074</AccountId>
-        <AccountType/>
-      </UserInfo>
-      <UserInfo>
-        <DisplayName>Amy Johnson</DisplayName>
-        <AccountId>281</AccountId>
-        <AccountType/>
-      </UserInfo>
-      <UserInfo>
-        <DisplayName>Michael Solomon</DisplayName>
-        <AccountId>78</AccountId>
-        <AccountType/>
-      </UserInfo>
-      <UserInfo>
-        <DisplayName>Tony Schueth</DisplayName>
-        <AccountId>24</AccountId>
-        <AccountType/>
-      </UserInfo>
-    </SharedWithUsers>
-    <TaxCatchAll xmlns="cf5a87e6-8225-499d-8aa7-664ff23f0528" xsi:nil="true"/>
-    <lcf76f155ced4ddcb4097134ff3c332f xmlns="9f94fe76-4e69-4a06-93ce-361b54a8e543">
-      <Terms xmlns="http://schemas.microsoft.com/office/infopath/2007/PartnerControls"/>
-    </lcf76f155ced4ddcb4097134ff3c332f>
-  </documentManagement>
-</p:properties>
-</file>
-
-<file path=customXml/item2.xml><?xml version="1.0" encoding="utf-8"?>
 <ct:contentTypeSchema xmlns:ct="http://schemas.microsoft.com/office/2006/metadata/contentType" xmlns:ma="http://schemas.microsoft.com/office/2006/metadata/properties/metaAttributes" ct:_="" ma:_="" ma:contentTypeName="Document" ma:contentTypeID="0x0101002C8FC9818E7A2340A2B524F46111FD15" ma:contentTypeVersion="19" ma:contentTypeDescription="Create a new document." ma:contentTypeScope="" ma:versionID="7ef9a8bc46a14bfd553da3a3e6695c4d">
   <xsd:schema xmlns:xsd="http://www.w3.org/2001/XMLSchema" xmlns:xs="http://www.w3.org/2001/XMLSchema" xmlns:p="http://schemas.microsoft.com/office/2006/metadata/properties" xmlns:ns2="9f94fe76-4e69-4a06-93ce-361b54a8e543" xmlns:ns3="cf5a87e6-8225-499d-8aa7-664ff23f0528" targetNamespace="http://schemas.microsoft.com/office/2006/metadata/properties" ma:root="true" ma:fieldsID="580938c8cdc1ed620302479102261575" ns2:_="" ns3:_="">
     <xsd:import namespace="9f94fe76-4e69-4a06-93ce-361b54a8e543"/>
@@ -41123,7 +41073,7 @@
 </ct:contentTypeSchema>
 </file>
 
-<file path=customXml/item3.xml><?xml version="1.0" encoding="utf-8"?>
+<file path=customXml/item2.xml><?xml version="1.0" encoding="utf-8"?>
 <?mso-contentType ?>
 <FormTemplates xmlns="http://schemas.microsoft.com/sharepoint/v3/contenttype/forms">
   <Display>DocumentLibraryForm</Display>
@@ -41132,24 +41082,65 @@
 </FormTemplates>
 </file>
 
-<file path=customXml/itemProps1.xml><?xml version="1.0" encoding="utf-8"?>
-<ds:datastoreItem xmlns:ds="http://schemas.openxmlformats.org/officeDocument/2006/customXml" ds:itemID="{ABC3541C-51DD-43E3-8C9A-56AC6823A20C}">
-  <ds:schemaRefs>
-    <ds:schemaRef ds:uri="9f94fe76-4e69-4a06-93ce-361b54a8e543"/>
-    <ds:schemaRef ds:uri="cf5a87e6-8225-499d-8aa7-664ff23f0528"/>
-    <ds:schemaRef ds:uri="http://purl.org/dc/dcmitype/"/>
-    <ds:schemaRef ds:uri="http://purl.org/dc/elements/1.1/"/>
-    <ds:schemaRef ds:uri="http://purl.org/dc/terms/"/>
-    <ds:schemaRef ds:uri="http://schemas.microsoft.com/office/2006/documentManagement/types"/>
-    <ds:schemaRef ds:uri="http://schemas.microsoft.com/office/2006/metadata/properties"/>
-    <ds:schemaRef ds:uri="http://schemas.microsoft.com/office/infopath/2007/PartnerControls"/>
-    <ds:schemaRef ds:uri="http://schemas.openxmlformats.org/package/2006/metadata/core-properties"/>
-    <ds:schemaRef ds:uri="http://www.w3.org/XML/1998/namespace"/>
-  </ds:schemaRefs>
-</ds:datastoreItem>
+<file path=customXml/item3.xml><?xml version="1.0" encoding="utf-8"?>
+<p:properties xmlns:p="http://schemas.microsoft.com/office/2006/metadata/properties" xmlns:xsi="http://www.w3.org/2001/XMLSchema-instance" xmlns:pc="http://schemas.microsoft.com/office/infopath/2007/PartnerControls">
+  <documentManagement>
+    <SharedWithUsers xmlns="cf5a87e6-8225-499d-8aa7-664ff23f0528">
+      <UserInfo>
+        <DisplayName>Kathy Moncelsi</DisplayName>
+        <AccountId>117</AccountId>
+        <AccountType/>
+      </UserInfo>
+      <UserInfo>
+        <DisplayName>Vanessa Candelora</DisplayName>
+        <AccountId>7525</AccountId>
+        <AccountType/>
+      </UserInfo>
+      <UserInfo>
+        <DisplayName>Phung Matthews</DisplayName>
+        <AccountId>7256</AccountId>
+        <AccountType/>
+      </UserInfo>
+      <UserInfo>
+        <DisplayName>Jordyn King</DisplayName>
+        <AccountId>6166</AccountId>
+        <AccountType/>
+      </UserInfo>
+      <UserInfo>
+        <DisplayName>Pooja Babbrah</DisplayName>
+        <AccountId>63</AccountId>
+        <AccountType/>
+      </UserInfo>
+      <UserInfo>
+        <DisplayName>Frank McKinney</DisplayName>
+        <AccountId>6074</AccountId>
+        <AccountType/>
+      </UserInfo>
+      <UserInfo>
+        <DisplayName>Amy Johnson</DisplayName>
+        <AccountId>281</AccountId>
+        <AccountType/>
+      </UserInfo>
+      <UserInfo>
+        <DisplayName>Michael Solomon</DisplayName>
+        <AccountId>78</AccountId>
+        <AccountType/>
+      </UserInfo>
+      <UserInfo>
+        <DisplayName>Tony Schueth</DisplayName>
+        <AccountId>24</AccountId>
+        <AccountType/>
+      </UserInfo>
+    </SharedWithUsers>
+    <TaxCatchAll xmlns="cf5a87e6-8225-499d-8aa7-664ff23f0528" xsi:nil="true"/>
+    <lcf76f155ced4ddcb4097134ff3c332f xmlns="9f94fe76-4e69-4a06-93ce-361b54a8e543">
+      <Terms xmlns="http://schemas.microsoft.com/office/infopath/2007/PartnerControls"/>
+    </lcf76f155ced4ddcb4097134ff3c332f>
+  </documentManagement>
+</p:properties>
 </file>
 
-<file path=customXml/itemProps2.xml><?xml version="1.0" encoding="utf-8"?>
+<file path=customXml/itemProps1.xml><?xml version="1.0" encoding="utf-8"?>
 <ds:datastoreItem xmlns:ds="http://schemas.openxmlformats.org/officeDocument/2006/customXml" ds:itemID="{75D6C950-6891-4B9F-8042-EAAA803A1D70}">
   <ds:schemaRefs>
     <ds:schemaRef ds:uri="9f94fe76-4e69-4a06-93ce-361b54a8e543"/>
@@ -41168,10 +41159,27 @@
 </ds:datastoreItem>
 </file>
 
-<file path=customXml/itemProps3.xml><?xml version="1.0" encoding="utf-8"?>
+<file path=customXml/itemProps2.xml><?xml version="1.0" encoding="utf-8"?>
 <ds:datastoreItem xmlns:ds="http://schemas.openxmlformats.org/officeDocument/2006/customXml" ds:itemID="{0BA6B2E7-CD55-478D-BEC8-4794A5943CF4}">
   <ds:schemaRefs>
     <ds:schemaRef ds:uri="http://schemas.microsoft.com/sharepoint/v3/contenttype/forms"/>
   </ds:schemaRefs>
 </ds:datastoreItem>
+</file>
+
+<file path=customXml/itemProps3.xml><?xml version="1.0" encoding="utf-8"?>
+<ds:datastoreItem xmlns:ds="http://schemas.openxmlformats.org/officeDocument/2006/customXml" ds:itemID="{ABC3541C-51DD-43E3-8C9A-56AC6823A20C}">
+  <ds:schemaRefs>
+    <ds:schemaRef ds:uri="9f94fe76-4e69-4a06-93ce-361b54a8e543"/>
+    <ds:schemaRef ds:uri="cf5a87e6-8225-499d-8aa7-664ff23f0528"/>
+    <ds:schemaRef ds:uri="http://purl.org/dc/dcmitype/"/>
+    <ds:schemaRef ds:uri="http://purl.org/dc/elements/1.1/"/>
+    <ds:schemaRef ds:uri="http://purl.org/dc/terms/"/>
+    <ds:schemaRef ds:uri="http://schemas.microsoft.com/office/2006/documentManagement/types"/>
+    <ds:schemaRef ds:uri="http://schemas.microsoft.com/office/2006/metadata/properties"/>
+    <ds:schemaRef ds:uri="http://schemas.microsoft.com/office/infopath/2007/PartnerControls"/>
+    <ds:schemaRef ds:uri="http://schemas.openxmlformats.org/package/2006/metadata/core-properties"/>
+    <ds:schemaRef ds:uri="http://www.w3.org/XML/1998/namespace"/>
+  </ds:schemaRefs>
+</ds:datastoreItem>
 </file>
--- a/presentations/2025-04-DaVinci/2025-04 SDC for DTR.pptx
+++ b/presentations/2025-04-DaVinci/2025-04 SDC for DTR.pptx
@@ -29084,6 +29084,58 @@
       </p:grpSpPr>
       <p:sp>
         <p:nvSpPr>
+          <p:cNvPr id="7" name="Rectangle 6">
+            <a:extLst>
+              <a:ext uri="{FF2B5EF4-FFF2-40B4-BE49-F238E27FC236}">
+                <a16:creationId xmlns:a16="http://schemas.microsoft.com/office/drawing/2014/main" id="{FF4DF654-150A-86F7-9AC7-57583E094400}"/>
+              </a:ext>
+            </a:extLst>
+          </p:cNvPr>
+          <p:cNvSpPr/>
+          <p:nvPr/>
+        </p:nvSpPr>
+        <p:spPr>
+          <a:xfrm>
+            <a:off x="4914900" y="6318250"/>
+            <a:ext cx="1968500" cy="488950"/>
+          </a:xfrm>
+          <a:prstGeom prst="rect">
+            <a:avLst/>
+          </a:prstGeom>
+          <a:solidFill>
+            <a:schemeClr val="bg1"/>
+          </a:solidFill>
+          <a:ln>
+            <a:noFill/>
+          </a:ln>
+        </p:spPr>
+        <p:style>
+          <a:lnRef idx="2">
+            <a:schemeClr val="accent1">
+              <a:shade val="15000"/>
+            </a:schemeClr>
+          </a:lnRef>
+          <a:fillRef idx="1">
+            <a:schemeClr val="accent1"/>
+          </a:fillRef>
+          <a:effectRef idx="0">
+            <a:schemeClr val="accent1"/>
+          </a:effectRef>
+          <a:fontRef idx="minor">
+            <a:schemeClr val="lt1"/>
+          </a:fontRef>
+        </p:style>
+        <p:txBody>
+          <a:bodyPr rtlCol="0" anchor="ctr"/>
+          <a:lstStyle/>
+          <a:p>
+            <a:pPr algn="ctr"/>
+            <a:endParaRPr lang="en-CA"/>
+          </a:p>
+        </p:txBody>
+      </p:sp>
+      <p:sp>
+        <p:nvSpPr>
           <p:cNvPr id="4" name="Text Placeholder 3">
             <a:extLst>
               <a:ext uri="{FF2B5EF4-FFF2-40B4-BE49-F238E27FC236}">
@@ -29431,28 +29483,7 @@
                 </a:solidFill>
                 <a:latin typeface="+mj-lt"/>
               </a:rPr>
-              <a:t>February </a:t>
-            </a:r>
-            <a:r>
-              <a:rPr lang="en-US" sz="1600" dirty="0">
-                <a:solidFill>
-                  <a:schemeClr val="tx1"/>
-                </a:solidFill>
-                <a:highlight>
-                  <a:srgbClr val="FFFF00"/>
-                </a:highlight>
-                <a:latin typeface="+mj-lt"/>
-              </a:rPr>
-              <a:t>??</a:t>
-            </a:r>
-            <a:r>
-              <a:rPr lang="en-US" sz="1600" dirty="0">
-                <a:solidFill>
-                  <a:schemeClr val="tx1"/>
-                </a:solidFill>
-                <a:latin typeface="+mj-lt"/>
-              </a:rPr>
-              <a:t>, 2025 </a:t>
+              <a:t>February 16, 2025 </a:t>
             </a:r>
             <a:endParaRPr lang="en-US" sz="2000" dirty="0">
               <a:solidFill>
@@ -39062,7 +39093,7 @@
             </a:r>
             <a:r>
               <a:rPr lang="en-US" baseline="0" dirty="0"/>
-              <a:t> Core knowledge</a:t>
+              <a:t> Core and EHR implementation knowledge</a:t>
             </a:r>
           </a:p>
         </p:txBody>
@@ -40819,6 +40850,73 @@
 </file>
 
 <file path=customXml/item1.xml><?xml version="1.0" encoding="utf-8"?>
+<?mso-contentType ?>
+<FormTemplates xmlns="http://schemas.microsoft.com/sharepoint/v3/contenttype/forms">
+  <Display>DocumentLibraryForm</Display>
+  <Edit>DocumentLibraryForm</Edit>
+  <New>DocumentLibraryForm</New>
+</FormTemplates>
+</file>
+
+<file path=customXml/item2.xml><?xml version="1.0" encoding="utf-8"?>
+<p:properties xmlns:p="http://schemas.microsoft.com/office/2006/metadata/properties" xmlns:xsi="http://www.w3.org/2001/XMLSchema-instance" xmlns:pc="http://schemas.microsoft.com/office/infopath/2007/PartnerControls">
+  <documentManagement>
+    <SharedWithUsers xmlns="cf5a87e6-8225-499d-8aa7-664ff23f0528">
+      <UserInfo>
+        <DisplayName>Kathy Moncelsi</DisplayName>
+        <AccountId>117</AccountId>
+        <AccountType/>
+      </UserInfo>
+      <UserInfo>
+        <DisplayName>Vanessa Candelora</DisplayName>
+        <AccountId>7525</AccountId>
+        <AccountType/>
+      </UserInfo>
+      <UserInfo>
+        <DisplayName>Phung Matthews</DisplayName>
+        <AccountId>7256</AccountId>
+        <AccountType/>
+      </UserInfo>
+      <UserInfo>
+        <DisplayName>Jordyn King</DisplayName>
+        <AccountId>6166</AccountId>
+        <AccountType/>
+      </UserInfo>
+      <UserInfo>
+        <DisplayName>Pooja Babbrah</DisplayName>
+        <AccountId>63</AccountId>
+        <AccountType/>
+      </UserInfo>
+      <UserInfo>
+        <DisplayName>Frank McKinney</DisplayName>
+        <AccountId>6074</AccountId>
+        <AccountType/>
+      </UserInfo>
+      <UserInfo>
+        <DisplayName>Amy Johnson</DisplayName>
+        <AccountId>281</AccountId>
+        <AccountType/>
+      </UserInfo>
+      <UserInfo>
+        <DisplayName>Michael Solomon</DisplayName>
+        <AccountId>78</AccountId>
+        <AccountType/>
+      </UserInfo>
+      <UserInfo>
+        <DisplayName>Tony Schueth</DisplayName>
+        <AccountId>24</AccountId>
+        <AccountType/>
+      </UserInfo>
+    </SharedWithUsers>
+    <TaxCatchAll xmlns="cf5a87e6-8225-499d-8aa7-664ff23f0528" xsi:nil="true"/>
+    <lcf76f155ced4ddcb4097134ff3c332f xmlns="9f94fe76-4e69-4a06-93ce-361b54a8e543">
+      <Terms xmlns="http://schemas.microsoft.com/office/infopath/2007/PartnerControls"/>
+    </lcf76f155ced4ddcb4097134ff3c332f>
+  </documentManagement>
+</p:properties>
+</file>
+
+<file path=customXml/item3.xml><?xml version="1.0" encoding="utf-8"?>
 <ct:contentTypeSchema xmlns:ct="http://schemas.microsoft.com/office/2006/metadata/contentType" xmlns:ma="http://schemas.microsoft.com/office/2006/metadata/properties/metaAttributes" ct:_="" ma:_="" ma:contentTypeName="Document" ma:contentTypeID="0x0101002C8FC9818E7A2340A2B524F46111FD15" ma:contentTypeVersion="19" ma:contentTypeDescription="Create a new document." ma:contentTypeScope="" ma:versionID="7ef9a8bc46a14bfd553da3a3e6695c4d">
   <xsd:schema xmlns:xsd="http://www.w3.org/2001/XMLSchema" xmlns:xs="http://www.w3.org/2001/XMLSchema" xmlns:p="http://schemas.microsoft.com/office/2006/metadata/properties" xmlns:ns2="9f94fe76-4e69-4a06-93ce-361b54a8e543" xmlns:ns3="cf5a87e6-8225-499d-8aa7-664ff23f0528" targetNamespace="http://schemas.microsoft.com/office/2006/metadata/properties" ma:root="true" ma:fieldsID="580938c8cdc1ed620302479102261575" ns2:_="" ns3:_="">
     <xsd:import namespace="9f94fe76-4e69-4a06-93ce-361b54a8e543"/>
@@ -41073,74 +41171,32 @@
 </ct:contentTypeSchema>
 </file>
 
-<file path=customXml/item2.xml><?xml version="1.0" encoding="utf-8"?>
-<?mso-contentType ?>
-<FormTemplates xmlns="http://schemas.microsoft.com/sharepoint/v3/contenttype/forms">
-  <Display>DocumentLibraryForm</Display>
-  <Edit>DocumentLibraryForm</Edit>
-  <New>DocumentLibraryForm</New>
-</FormTemplates>
+<file path=customXml/itemProps1.xml><?xml version="1.0" encoding="utf-8"?>
+<ds:datastoreItem xmlns:ds="http://schemas.openxmlformats.org/officeDocument/2006/customXml" ds:itemID="{0BA6B2E7-CD55-478D-BEC8-4794A5943CF4}">
+  <ds:schemaRefs>
+    <ds:schemaRef ds:uri="http://schemas.microsoft.com/sharepoint/v3/contenttype/forms"/>
+  </ds:schemaRefs>
+</ds:datastoreItem>
 </file>
 
-<file path=customXml/item3.xml><?xml version="1.0" encoding="utf-8"?>
-<p:properties xmlns:p="http://schemas.microsoft.com/office/2006/metadata/properties" xmlns:xsi="http://www.w3.org/2001/XMLSchema-instance" xmlns:pc="http://schemas.microsoft.com/office/infopath/2007/PartnerControls">
-  <documentManagement>
-    <SharedWithUsers xmlns="cf5a87e6-8225-499d-8aa7-664ff23f0528">
-      <UserInfo>
-        <DisplayName>Kathy Moncelsi</DisplayName>
-        <AccountId>117</AccountId>
-        <AccountType/>
-      </UserInfo>
-      <UserInfo>
-        <DisplayName>Vanessa Candelora</DisplayName>
-        <AccountId>7525</AccountId>
-        <AccountType/>
-      </UserInfo>
-      <UserInfo>
-        <DisplayName>Phung Matthews</DisplayName>
-        <AccountId>7256</AccountId>
-        <AccountType/>
-      </UserInfo>
-      <UserInfo>
-        <DisplayName>Jordyn King</DisplayName>
-        <AccountId>6166</AccountId>
-        <AccountType/>
-      </UserInfo>
-      <UserInfo>
-        <DisplayName>Pooja Babbrah</DisplayName>
-        <AccountId>63</AccountId>
-        <AccountType/>
-      </UserInfo>
-      <UserInfo>
-        <DisplayName>Frank McKinney</DisplayName>
-        <AccountId>6074</AccountId>
-        <AccountType/>
-      </UserInfo>
-      <UserInfo>
-        <DisplayName>Amy Johnson</DisplayName>
-        <AccountId>281</AccountId>
-        <AccountType/>
-      </UserInfo>
-      <UserInfo>
-        <DisplayName>Michael Solomon</DisplayName>
-        <AccountId>78</AccountId>
-        <AccountType/>
-      </UserInfo>
-      <UserInfo>
-        <DisplayName>Tony Schueth</DisplayName>
-        <AccountId>24</AccountId>
-        <AccountType/>
-      </UserInfo>
-    </SharedWithUsers>
-    <TaxCatchAll xmlns="cf5a87e6-8225-499d-8aa7-664ff23f0528" xsi:nil="true"/>
-    <lcf76f155ced4ddcb4097134ff3c332f xmlns="9f94fe76-4e69-4a06-93ce-361b54a8e543">
-      <Terms xmlns="http://schemas.microsoft.com/office/infopath/2007/PartnerControls"/>
-    </lcf76f155ced4ddcb4097134ff3c332f>
-  </documentManagement>
-</p:properties>
+<file path=customXml/itemProps2.xml><?xml version="1.0" encoding="utf-8"?>
+<ds:datastoreItem xmlns:ds="http://schemas.openxmlformats.org/officeDocument/2006/customXml" ds:itemID="{ABC3541C-51DD-43E3-8C9A-56AC6823A20C}">
+  <ds:schemaRefs>
+    <ds:schemaRef ds:uri="9f94fe76-4e69-4a06-93ce-361b54a8e543"/>
+    <ds:schemaRef ds:uri="cf5a87e6-8225-499d-8aa7-664ff23f0528"/>
+    <ds:schemaRef ds:uri="http://purl.org/dc/dcmitype/"/>
+    <ds:schemaRef ds:uri="http://purl.org/dc/elements/1.1/"/>
+    <ds:schemaRef ds:uri="http://purl.org/dc/terms/"/>
+    <ds:schemaRef ds:uri="http://schemas.microsoft.com/office/2006/documentManagement/types"/>
+    <ds:schemaRef ds:uri="http://schemas.microsoft.com/office/2006/metadata/properties"/>
+    <ds:schemaRef ds:uri="http://schemas.microsoft.com/office/infopath/2007/PartnerControls"/>
+    <ds:schemaRef ds:uri="http://schemas.openxmlformats.org/package/2006/metadata/core-properties"/>
+    <ds:schemaRef ds:uri="http://www.w3.org/XML/1998/namespace"/>
+  </ds:schemaRefs>
+</ds:datastoreItem>
 </file>
 
-<file path=customXml/itemProps1.xml><?xml version="1.0" encoding="utf-8"?>
+<file path=customXml/itemProps3.xml><?xml version="1.0" encoding="utf-8"?>
 <ds:datastoreItem xmlns:ds="http://schemas.openxmlformats.org/officeDocument/2006/customXml" ds:itemID="{75D6C950-6891-4B9F-8042-EAAA803A1D70}">
   <ds:schemaRefs>
     <ds:schemaRef ds:uri="9f94fe76-4e69-4a06-93ce-361b54a8e543"/>
@@ -41157,29 +41213,4 @@
     <ds:schemaRef ds:uri="http://www.w3.org/2001/XMLSchema"/>
   </ds:schemaRefs>
 </ds:datastoreItem>
-</file>
-
-<file path=customXml/itemProps2.xml><?xml version="1.0" encoding="utf-8"?>
-<ds:datastoreItem xmlns:ds="http://schemas.openxmlformats.org/officeDocument/2006/customXml" ds:itemID="{0BA6B2E7-CD55-478D-BEC8-4794A5943CF4}">
-  <ds:schemaRefs>
-    <ds:schemaRef ds:uri="http://schemas.microsoft.com/sharepoint/v3/contenttype/forms"/>
-  </ds:schemaRefs>
-</ds:datastoreItem>
-</file>
-
-<file path=customXml/itemProps3.xml><?xml version="1.0" encoding="utf-8"?>
-<ds:datastoreItem xmlns:ds="http://schemas.openxmlformats.org/officeDocument/2006/customXml" ds:itemID="{ABC3541C-51DD-43E3-8C9A-56AC6823A20C}">
-  <ds:schemaRefs>
-    <ds:schemaRef ds:uri="9f94fe76-4e69-4a06-93ce-361b54a8e543"/>
-    <ds:schemaRef ds:uri="cf5a87e6-8225-499d-8aa7-664ff23f0528"/>
-    <ds:schemaRef ds:uri="http://purl.org/dc/dcmitype/"/>
-    <ds:schemaRef ds:uri="http://purl.org/dc/elements/1.1/"/>
-    <ds:schemaRef ds:uri="http://purl.org/dc/terms/"/>
-    <ds:schemaRef ds:uri="http://schemas.microsoft.com/office/2006/documentManagement/types"/>
-    <ds:schemaRef ds:uri="http://schemas.microsoft.com/office/2006/metadata/properties"/>
-    <ds:schemaRef ds:uri="http://schemas.microsoft.com/office/infopath/2007/PartnerControls"/>
-    <ds:schemaRef ds:uri="http://schemas.openxmlformats.org/package/2006/metadata/core-properties"/>
-    <ds:schemaRef ds:uri="http://www.w3.org/XML/1998/namespace"/>
-  </ds:schemaRefs>
-</ds:datastoreItem>
 </file>
--- a/presentations/2025-04-DaVinci/2025-04 SDC for DTR.pptx
+++ b/presentations/2025-04-DaVinci/2025-04 SDC for DTR.pptx
@@ -31676,7 +31676,7 @@
           <a:p>
             <a:r>
               <a:rPr lang="en-US" dirty="0"/>
-              <a:t>Resource</a:t>
+              <a:t>Reference</a:t>
             </a:r>
           </a:p>
           <a:p>
@@ -32164,7 +32164,7 @@
               <a:defRPr/>
             </a:pPr>
             <a:r>
-              <a:rPr lang="en-CA" sz="2400" kern="1200" dirty="0">
+              <a:rPr lang="en-CA" sz="2000" kern="1200" dirty="0">
                 <a:solidFill>
                   <a:schemeClr val="tx1"/>
                 </a:solidFill>
@@ -32175,7 +32175,7 @@
               </a:rPr>
               <a:t>Ordinals must be defined by the code system</a:t>
             </a:r>
-            <a:endParaRPr lang="en-CA" sz="2400" dirty="0">
+            <a:endParaRPr lang="en-CA" sz="2000" dirty="0">
               <a:effectLst/>
             </a:endParaRPr>
           </a:p>
@@ -40850,15 +40850,6 @@
 </file>
 
 <file path=customXml/item1.xml><?xml version="1.0" encoding="utf-8"?>
-<?mso-contentType ?>
-<FormTemplates xmlns="http://schemas.microsoft.com/sharepoint/v3/contenttype/forms">
-  <Display>DocumentLibraryForm</Display>
-  <Edit>DocumentLibraryForm</Edit>
-  <New>DocumentLibraryForm</New>
-</FormTemplates>
-</file>
-
-<file path=customXml/item2.xml><?xml version="1.0" encoding="utf-8"?>
 <p:properties xmlns:p="http://schemas.microsoft.com/office/2006/metadata/properties" xmlns:xsi="http://www.w3.org/2001/XMLSchema-instance" xmlns:pc="http://schemas.microsoft.com/office/infopath/2007/PartnerControls">
   <documentManagement>
     <SharedWithUsers xmlns="cf5a87e6-8225-499d-8aa7-664ff23f0528">
@@ -40916,7 +40907,7 @@
 </p:properties>
 </file>
 
-<file path=customXml/item3.xml><?xml version="1.0" encoding="utf-8"?>
+<file path=customXml/item2.xml><?xml version="1.0" encoding="utf-8"?>
 <ct:contentTypeSchema xmlns:ct="http://schemas.microsoft.com/office/2006/metadata/contentType" xmlns:ma="http://schemas.microsoft.com/office/2006/metadata/properties/metaAttributes" ct:_="" ma:_="" ma:contentTypeName="Document" ma:contentTypeID="0x0101002C8FC9818E7A2340A2B524F46111FD15" ma:contentTypeVersion="19" ma:contentTypeDescription="Create a new document." ma:contentTypeScope="" ma:versionID="7ef9a8bc46a14bfd553da3a3e6695c4d">
   <xsd:schema xmlns:xsd="http://www.w3.org/2001/XMLSchema" xmlns:xs="http://www.w3.org/2001/XMLSchema" xmlns:p="http://schemas.microsoft.com/office/2006/metadata/properties" xmlns:ns2="9f94fe76-4e69-4a06-93ce-361b54a8e543" xmlns:ns3="cf5a87e6-8225-499d-8aa7-664ff23f0528" targetNamespace="http://schemas.microsoft.com/office/2006/metadata/properties" ma:root="true" ma:fieldsID="580938c8cdc1ed620302479102261575" ns2:_="" ns3:_="">
     <xsd:import namespace="9f94fe76-4e69-4a06-93ce-361b54a8e543"/>
@@ -41171,15 +41162,16 @@
 </ct:contentTypeSchema>
 </file>
 
-<file path=customXml/itemProps1.xml><?xml version="1.0" encoding="utf-8"?>
-<ds:datastoreItem xmlns:ds="http://schemas.openxmlformats.org/officeDocument/2006/customXml" ds:itemID="{0BA6B2E7-CD55-478D-BEC8-4794A5943CF4}">
-  <ds:schemaRefs>
-    <ds:schemaRef ds:uri="http://schemas.microsoft.com/sharepoint/v3/contenttype/forms"/>
-  </ds:schemaRefs>
-</ds:datastoreItem>
+<file path=customXml/item3.xml><?xml version="1.0" encoding="utf-8"?>
+<?mso-contentType ?>
+<FormTemplates xmlns="http://schemas.microsoft.com/sharepoint/v3/contenttype/forms">
+  <Display>DocumentLibraryForm</Display>
+  <Edit>DocumentLibraryForm</Edit>
+  <New>DocumentLibraryForm</New>
+</FormTemplates>
 </file>
 
-<file path=customXml/itemProps2.xml><?xml version="1.0" encoding="utf-8"?>
+<file path=customXml/itemProps1.xml><?xml version="1.0" encoding="utf-8"?>
 <ds:datastoreItem xmlns:ds="http://schemas.openxmlformats.org/officeDocument/2006/customXml" ds:itemID="{ABC3541C-51DD-43E3-8C9A-56AC6823A20C}">
   <ds:schemaRefs>
     <ds:schemaRef ds:uri="9f94fe76-4e69-4a06-93ce-361b54a8e543"/>
@@ -41196,7 +41188,7 @@
 </ds:datastoreItem>
 </file>
 
-<file path=customXml/itemProps3.xml><?xml version="1.0" encoding="utf-8"?>
+<file path=customXml/itemProps2.xml><?xml version="1.0" encoding="utf-8"?>
 <ds:datastoreItem xmlns:ds="http://schemas.openxmlformats.org/officeDocument/2006/customXml" ds:itemID="{75D6C950-6891-4B9F-8042-EAAA803A1D70}">
   <ds:schemaRefs>
     <ds:schemaRef ds:uri="9f94fe76-4e69-4a06-93ce-361b54a8e543"/>
@@ -41213,4 +41205,12 @@
     <ds:schemaRef ds:uri="http://www.w3.org/2001/XMLSchema"/>
   </ds:schemaRefs>
 </ds:datastoreItem>
+</file>
+
+<file path=customXml/itemProps3.xml><?xml version="1.0" encoding="utf-8"?>
+<ds:datastoreItem xmlns:ds="http://schemas.openxmlformats.org/officeDocument/2006/customXml" ds:itemID="{0BA6B2E7-CD55-478D-BEC8-4794A5943CF4}">
+  <ds:schemaRefs>
+    <ds:schemaRef ds:uri="http://schemas.microsoft.com/sharepoint/v3/contenttype/forms"/>
+  </ds:schemaRefs>
+</ds:datastoreItem>
 </file>